--- a/capstone_2.pptx
+++ b/capstone_2.pptx
@@ -9048,6 +9048,31 @@
               </a:rPr>
               <a:t>BIKE SHARING DEMAND PREDICTION</a:t>
             </a:r>
+            <a:br>
+              <a:rPr lang="en-US" sz="4400" b="1" dirty="0">
+                <a:solidFill>
+                  <a:schemeClr val="bg2">
+                    <a:lumMod val="25000"/>
+                  </a:schemeClr>
+                </a:solidFill>
+                <a:latin typeface="Arial Rounded MT Bold" panose="020F0704030504030204" pitchFamily="34" charset="0"/>
+                <a:ea typeface="Times New Roman"/>
+                <a:cs typeface="Times New Roman"/>
+                <a:sym typeface="Times New Roman"/>
+              </a:rPr>
+            </a:br>
+            <a:r>
+              <a:rPr lang="en-IN" sz="1600" b="1">
+                <a:solidFill>
+                  <a:schemeClr val="lt1"/>
+                </a:solidFill>
+                <a:latin typeface="Montserrat"/>
+                <a:ea typeface="Montserrat"/>
+                <a:cs typeface="Montserrat"/>
+                <a:sym typeface="Montserrat"/>
+              </a:rPr>
+              <a:t>By Sarthak Arora</a:t>
+            </a:r>
             <a:endParaRPr sz="1600" b="1" dirty="0">
               <a:solidFill>
                 <a:schemeClr val="lt1"/>
